--- a/RollerSystem.pptx
+++ b/RollerSystem.pptx
@@ -8931,7 +8931,7 @@
             </a:r>
             <a:r>
               <a:rPr lang="it-IT" dirty="0"/>
-              <a:t> on the roller </a:t>
+              <a:t> on the house roller </a:t>
             </a:r>
             <a:r>
               <a:rPr lang="it-IT" dirty="0" err="1"/>
@@ -8939,7 +8939,7 @@
             </a:r>
             <a:r>
               <a:rPr lang="it-IT" dirty="0"/>
-              <a:t> of an house in </a:t>
+              <a:t> in </a:t>
             </a:r>
             <a:r>
               <a:rPr lang="it-IT" dirty="0" err="1"/>
@@ -8961,7 +8961,10 @@
               <a:rPr lang="it-IT" dirty="0" err="1"/>
               <a:t>brightness</a:t>
             </a:r>
-            <a:endParaRPr lang="it-IT" dirty="0"/>
+            <a:r>
+              <a:rPr lang="it-IT" dirty="0"/>
+              <a:t>.</a:t>
+            </a:r>
           </a:p>
           <a:p>
             <a:pPr marL="0" indent="0">
@@ -9813,7 +9816,7 @@
           <a:p>
             <a:r>
               <a:rPr lang="en-US" sz="2400" dirty="0"/>
-              <a:t>Otherwise, if it is lower than a minimum threshold the roller is closed.</a:t>
+              <a:t>Otherwise, if the value is lower than a minimum threshold the roller is closed.</a:t>
             </a:r>
           </a:p>
           <a:p>
@@ -13442,6 +13445,15 @@
 </file>
 
 <file path=customXml/item1.xml><?xml version="1.0" encoding="utf-8"?>
+<?mso-contentType ?>
+<FormTemplates xmlns="http://schemas.microsoft.com/sharepoint/v3/contenttype/forms">
+  <Display>DocumentLibraryForm</Display>
+  <Edit>DocumentLibraryForm</Edit>
+  <New>DocumentLibraryForm</New>
+</FormTemplates>
+</file>
+
+<file path=customXml/item2.xml><?xml version="1.0" encoding="utf-8"?>
 <ct:contentTypeSchema xmlns:ct="http://schemas.microsoft.com/office/2006/metadata/contentType" xmlns:ma="http://schemas.microsoft.com/office/2006/metadata/properties/metaAttributes" ct:_="" ma:_="" ma:contentTypeName="Document" ma:contentTypeID="0x0101008BC637AA7628884A89E80949826CD946" ma:contentTypeVersion="9" ma:contentTypeDescription="Create a new document." ma:contentTypeScope="" ma:versionID="6c1956a9896f143ac4a29b263d06ff3d">
   <xsd:schema xmlns:xsd="http://www.w3.org/2001/XMLSchema" xmlns:xs="http://www.w3.org/2001/XMLSchema" xmlns:p="http://schemas.microsoft.com/office/2006/metadata/properties" xmlns:ns3="7797375e-1069-4cbd-94ec-5a6438bf4024" targetNamespace="http://schemas.microsoft.com/office/2006/metadata/properties" ma:root="true" ma:fieldsID="a0c05fa2ecc95cfe54e270523c343b1d" ns3:_="">
     <xsd:import namespace="7797375e-1069-4cbd-94ec-5a6438bf4024"/>
@@ -13619,15 +13631,6 @@
 </ct:contentTypeSchema>
 </file>
 
-<file path=customXml/item2.xml><?xml version="1.0" encoding="utf-8"?>
-<?mso-contentType ?>
-<FormTemplates xmlns="http://schemas.microsoft.com/sharepoint/v3/contenttype/forms">
-  <Display>DocumentLibraryForm</Display>
-  <Edit>DocumentLibraryForm</Edit>
-  <New>DocumentLibraryForm</New>
-</FormTemplates>
-</file>
-
 <file path=customXml/item3.xml><?xml version="1.0" encoding="utf-8"?>
 <p:properties xmlns:p="http://schemas.microsoft.com/office/2006/metadata/properties" xmlns:xsi="http://www.w3.org/2001/XMLSchema-instance" xmlns:pc="http://schemas.microsoft.com/office/infopath/2007/PartnerControls">
   <documentManagement/>
@@ -13635,6 +13638,14 @@
 </file>
 
 <file path=customXml/itemProps1.xml><?xml version="1.0" encoding="utf-8"?>
+<ds:datastoreItem xmlns:ds="http://schemas.openxmlformats.org/officeDocument/2006/customXml" ds:itemID="{C7DE726D-D18C-4BA5-956A-8C0395A99A27}">
+  <ds:schemaRefs>
+    <ds:schemaRef ds:uri="http://schemas.microsoft.com/sharepoint/v3/contenttype/forms"/>
+  </ds:schemaRefs>
+</ds:datastoreItem>
+</file>
+
+<file path=customXml/itemProps2.xml><?xml version="1.0" encoding="utf-8"?>
 <ds:datastoreItem xmlns:ds="http://schemas.openxmlformats.org/officeDocument/2006/customXml" ds:itemID="{B2284EC8-8B6B-49AF-8C48-03A8C76D4B46}">
   <ds:schemaRefs>
     <ds:schemaRef ds:uri="http://schemas.microsoft.com/office/2006/metadata/contentType"/>
@@ -13652,14 +13663,6 @@
 </ds:datastoreItem>
 </file>
 
-<file path=customXml/itemProps2.xml><?xml version="1.0" encoding="utf-8"?>
-<ds:datastoreItem xmlns:ds="http://schemas.openxmlformats.org/officeDocument/2006/customXml" ds:itemID="{C7DE726D-D18C-4BA5-956A-8C0395A99A27}">
-  <ds:schemaRefs>
-    <ds:schemaRef ds:uri="http://schemas.microsoft.com/sharepoint/v3/contenttype/forms"/>
-  </ds:schemaRefs>
-</ds:datastoreItem>
-</file>
-
 <file path=customXml/itemProps3.xml><?xml version="1.0" encoding="utf-8"?>
 <ds:datastoreItem xmlns:ds="http://schemas.openxmlformats.org/officeDocument/2006/customXml" ds:itemID="{DB3102E8-D7BA-4A02-9E6D-93C947CDE46D}">
   <ds:schemaRefs>
